--- a/Course Introduction.pptx
+++ b/Course Introduction.pptx
@@ -113,6 +113,11 @@
       </a:defRPr>
     </a:lvl9pPr>
   </p:defaultTextStyle>
+  <p:extLst>
+    <p:ext uri="{EFAFB233-063F-42B5-8137-9DF3F51BA10A}">
+      <p15:sldGuideLst xmlns:p15="http://schemas.microsoft.com/office/powerpoint/2012/main"/>
+    </p:ext>
+  </p:extLst>
 </p:presentation>
 </file>
 
@@ -142,7 +147,7 @@
           <p:cNvPr id="2" name="Title 1">
             <a:extLst>
               <a:ext uri="{FF2B5EF4-FFF2-40B4-BE49-F238E27FC236}">
-                <a16:creationId xmlns:a16="http://schemas.microsoft.com/office/drawing/2014/main" id="{D27DE0EE-F524-45F1-8191-70574EF59295}"/>
+                <a16:creationId xmlns:a16="http://schemas.microsoft.com/office/drawing/2014/main" xmlns="" id="{D27DE0EE-F524-45F1-8191-70574EF59295}"/>
               </a:ext>
             </a:extLst>
           </p:cNvPr>
@@ -179,7 +184,7 @@
           <p:cNvPr id="3" name="Subtitle 2">
             <a:extLst>
               <a:ext uri="{FF2B5EF4-FFF2-40B4-BE49-F238E27FC236}">
-                <a16:creationId xmlns:a16="http://schemas.microsoft.com/office/drawing/2014/main" id="{2063BEFA-0D91-4B87-BBA8-3A7732B68CA7}"/>
+                <a16:creationId xmlns:a16="http://schemas.microsoft.com/office/drawing/2014/main" xmlns="" id="{2063BEFA-0D91-4B87-BBA8-3A7732B68CA7}"/>
               </a:ext>
             </a:extLst>
           </p:cNvPr>
@@ -249,7 +254,7 @@
           <p:cNvPr id="4" name="Date Placeholder 3">
             <a:extLst>
               <a:ext uri="{FF2B5EF4-FFF2-40B4-BE49-F238E27FC236}">
-                <a16:creationId xmlns:a16="http://schemas.microsoft.com/office/drawing/2014/main" id="{CD2270F4-07FE-4E00-9822-5BD3FF27D03D}"/>
+                <a16:creationId xmlns:a16="http://schemas.microsoft.com/office/drawing/2014/main" xmlns="" id="{CD2270F4-07FE-4E00-9822-5BD3FF27D03D}"/>
               </a:ext>
             </a:extLst>
           </p:cNvPr>
@@ -267,7 +272,7 @@
           <a:p>
             <a:fld id="{579738E7-D935-48AE-9BDC-45E9F17134E5}" type="datetimeFigureOut">
               <a:rPr lang="en-US" smtClean="0"/>
-              <a:t>2/4/2018</a:t>
+              <a:t>9/17/2018</a:t>
             </a:fld>
             <a:endParaRPr lang="en-US"/>
           </a:p>
@@ -278,7 +283,7 @@
           <p:cNvPr id="5" name="Footer Placeholder 4">
             <a:extLst>
               <a:ext uri="{FF2B5EF4-FFF2-40B4-BE49-F238E27FC236}">
-                <a16:creationId xmlns:a16="http://schemas.microsoft.com/office/drawing/2014/main" id="{E385DC26-5C03-4692-AAF1-E1C0F518A372}"/>
+                <a16:creationId xmlns:a16="http://schemas.microsoft.com/office/drawing/2014/main" xmlns="" id="{E385DC26-5C03-4692-AAF1-E1C0F518A372}"/>
               </a:ext>
             </a:extLst>
           </p:cNvPr>
@@ -303,7 +308,7 @@
           <p:cNvPr id="6" name="Slide Number Placeholder 5">
             <a:extLst>
               <a:ext uri="{FF2B5EF4-FFF2-40B4-BE49-F238E27FC236}">
-                <a16:creationId xmlns:a16="http://schemas.microsoft.com/office/drawing/2014/main" id="{F85BA01C-6C83-4915-981C-443229BB5D5D}"/>
+                <a16:creationId xmlns:a16="http://schemas.microsoft.com/office/drawing/2014/main" xmlns="" id="{F85BA01C-6C83-4915-981C-443229BB5D5D}"/>
               </a:ext>
             </a:extLst>
           </p:cNvPr>
@@ -362,7 +367,7 @@
           <p:cNvPr id="2" name="Title 1">
             <a:extLst>
               <a:ext uri="{FF2B5EF4-FFF2-40B4-BE49-F238E27FC236}">
-                <a16:creationId xmlns:a16="http://schemas.microsoft.com/office/drawing/2014/main" id="{BA5EBD67-9956-4494-A974-1A39892E8C38}"/>
+                <a16:creationId xmlns:a16="http://schemas.microsoft.com/office/drawing/2014/main" xmlns="" id="{BA5EBD67-9956-4494-A974-1A39892E8C38}"/>
               </a:ext>
             </a:extLst>
           </p:cNvPr>
@@ -390,7 +395,7 @@
           <p:cNvPr id="3" name="Vertical Text Placeholder 2">
             <a:extLst>
               <a:ext uri="{FF2B5EF4-FFF2-40B4-BE49-F238E27FC236}">
-                <a16:creationId xmlns:a16="http://schemas.microsoft.com/office/drawing/2014/main" id="{75D93585-75C6-453C-8803-5FAD0DA53440}"/>
+                <a16:creationId xmlns:a16="http://schemas.microsoft.com/office/drawing/2014/main" xmlns="" id="{75D93585-75C6-453C-8803-5FAD0DA53440}"/>
               </a:ext>
             </a:extLst>
           </p:cNvPr>
@@ -447,7 +452,7 @@
           <p:cNvPr id="4" name="Date Placeholder 3">
             <a:extLst>
               <a:ext uri="{FF2B5EF4-FFF2-40B4-BE49-F238E27FC236}">
-                <a16:creationId xmlns:a16="http://schemas.microsoft.com/office/drawing/2014/main" id="{E31E9C33-31EE-4243-B00F-A9820BB08749}"/>
+                <a16:creationId xmlns:a16="http://schemas.microsoft.com/office/drawing/2014/main" xmlns="" id="{E31E9C33-31EE-4243-B00F-A9820BB08749}"/>
               </a:ext>
             </a:extLst>
           </p:cNvPr>
@@ -465,7 +470,7 @@
           <a:p>
             <a:fld id="{579738E7-D935-48AE-9BDC-45E9F17134E5}" type="datetimeFigureOut">
               <a:rPr lang="en-US" smtClean="0"/>
-              <a:t>2/4/2018</a:t>
+              <a:t>9/17/2018</a:t>
             </a:fld>
             <a:endParaRPr lang="en-US"/>
           </a:p>
@@ -476,7 +481,7 @@
           <p:cNvPr id="5" name="Footer Placeholder 4">
             <a:extLst>
               <a:ext uri="{FF2B5EF4-FFF2-40B4-BE49-F238E27FC236}">
-                <a16:creationId xmlns:a16="http://schemas.microsoft.com/office/drawing/2014/main" id="{91473A03-66D2-40F1-A97C-8E9BD6F50CA7}"/>
+                <a16:creationId xmlns:a16="http://schemas.microsoft.com/office/drawing/2014/main" xmlns="" id="{91473A03-66D2-40F1-A97C-8E9BD6F50CA7}"/>
               </a:ext>
             </a:extLst>
           </p:cNvPr>
@@ -501,7 +506,7 @@
           <p:cNvPr id="6" name="Slide Number Placeholder 5">
             <a:extLst>
               <a:ext uri="{FF2B5EF4-FFF2-40B4-BE49-F238E27FC236}">
-                <a16:creationId xmlns:a16="http://schemas.microsoft.com/office/drawing/2014/main" id="{9B13363B-30DB-4F95-8467-7CA8740DE543}"/>
+                <a16:creationId xmlns:a16="http://schemas.microsoft.com/office/drawing/2014/main" xmlns="" id="{9B13363B-30DB-4F95-8467-7CA8740DE543}"/>
               </a:ext>
             </a:extLst>
           </p:cNvPr>
@@ -560,7 +565,7 @@
           <p:cNvPr id="2" name="Vertical Title 1">
             <a:extLst>
               <a:ext uri="{FF2B5EF4-FFF2-40B4-BE49-F238E27FC236}">
-                <a16:creationId xmlns:a16="http://schemas.microsoft.com/office/drawing/2014/main" id="{C7208E83-08A7-4354-8798-2D874EAA1C2A}"/>
+                <a16:creationId xmlns:a16="http://schemas.microsoft.com/office/drawing/2014/main" xmlns="" id="{C7208E83-08A7-4354-8798-2D874EAA1C2A}"/>
               </a:ext>
             </a:extLst>
           </p:cNvPr>
@@ -593,7 +598,7 @@
           <p:cNvPr id="3" name="Vertical Text Placeholder 2">
             <a:extLst>
               <a:ext uri="{FF2B5EF4-FFF2-40B4-BE49-F238E27FC236}">
-                <a16:creationId xmlns:a16="http://schemas.microsoft.com/office/drawing/2014/main" id="{A2CCBB06-8EBF-4FB9-8A76-AFC57F41C41A}"/>
+                <a16:creationId xmlns:a16="http://schemas.microsoft.com/office/drawing/2014/main" xmlns="" id="{A2CCBB06-8EBF-4FB9-8A76-AFC57F41C41A}"/>
               </a:ext>
             </a:extLst>
           </p:cNvPr>
@@ -655,7 +660,7 @@
           <p:cNvPr id="4" name="Date Placeholder 3">
             <a:extLst>
               <a:ext uri="{FF2B5EF4-FFF2-40B4-BE49-F238E27FC236}">
-                <a16:creationId xmlns:a16="http://schemas.microsoft.com/office/drawing/2014/main" id="{FFFC78E5-F823-42C6-955D-0256D2FB5EDB}"/>
+                <a16:creationId xmlns:a16="http://schemas.microsoft.com/office/drawing/2014/main" xmlns="" id="{FFFC78E5-F823-42C6-955D-0256D2FB5EDB}"/>
               </a:ext>
             </a:extLst>
           </p:cNvPr>
@@ -673,7 +678,7 @@
           <a:p>
             <a:fld id="{579738E7-D935-48AE-9BDC-45E9F17134E5}" type="datetimeFigureOut">
               <a:rPr lang="en-US" smtClean="0"/>
-              <a:t>2/4/2018</a:t>
+              <a:t>9/17/2018</a:t>
             </a:fld>
             <a:endParaRPr lang="en-US"/>
           </a:p>
@@ -684,7 +689,7 @@
           <p:cNvPr id="5" name="Footer Placeholder 4">
             <a:extLst>
               <a:ext uri="{FF2B5EF4-FFF2-40B4-BE49-F238E27FC236}">
-                <a16:creationId xmlns:a16="http://schemas.microsoft.com/office/drawing/2014/main" id="{8425493A-5A86-403B-A85D-67BCA7E0EE32}"/>
+                <a16:creationId xmlns:a16="http://schemas.microsoft.com/office/drawing/2014/main" xmlns="" id="{8425493A-5A86-403B-A85D-67BCA7E0EE32}"/>
               </a:ext>
             </a:extLst>
           </p:cNvPr>
@@ -709,7 +714,7 @@
           <p:cNvPr id="6" name="Slide Number Placeholder 5">
             <a:extLst>
               <a:ext uri="{FF2B5EF4-FFF2-40B4-BE49-F238E27FC236}">
-                <a16:creationId xmlns:a16="http://schemas.microsoft.com/office/drawing/2014/main" id="{B37D39EF-FFE3-4256-9FEF-04D97F167E3B}"/>
+                <a16:creationId xmlns:a16="http://schemas.microsoft.com/office/drawing/2014/main" xmlns="" id="{B37D39EF-FFE3-4256-9FEF-04D97F167E3B}"/>
               </a:ext>
             </a:extLst>
           </p:cNvPr>
@@ -768,7 +773,7 @@
           <p:cNvPr id="2" name="Title 1">
             <a:extLst>
               <a:ext uri="{FF2B5EF4-FFF2-40B4-BE49-F238E27FC236}">
-                <a16:creationId xmlns:a16="http://schemas.microsoft.com/office/drawing/2014/main" id="{8CBA93EA-E65D-48FD-9C20-EC5B2BA42B12}"/>
+                <a16:creationId xmlns:a16="http://schemas.microsoft.com/office/drawing/2014/main" xmlns="" id="{8CBA93EA-E65D-48FD-9C20-EC5B2BA42B12}"/>
               </a:ext>
             </a:extLst>
           </p:cNvPr>
@@ -796,7 +801,7 @@
           <p:cNvPr id="3" name="Content Placeholder 2">
             <a:extLst>
               <a:ext uri="{FF2B5EF4-FFF2-40B4-BE49-F238E27FC236}">
-                <a16:creationId xmlns:a16="http://schemas.microsoft.com/office/drawing/2014/main" id="{65294D19-9032-4411-A2F3-AD0333F4D65C}"/>
+                <a16:creationId xmlns:a16="http://schemas.microsoft.com/office/drawing/2014/main" xmlns="" id="{65294D19-9032-4411-A2F3-AD0333F4D65C}"/>
               </a:ext>
             </a:extLst>
           </p:cNvPr>
@@ -853,7 +858,7 @@
           <p:cNvPr id="4" name="Date Placeholder 3">
             <a:extLst>
               <a:ext uri="{FF2B5EF4-FFF2-40B4-BE49-F238E27FC236}">
-                <a16:creationId xmlns:a16="http://schemas.microsoft.com/office/drawing/2014/main" id="{ADD562DF-1CED-49CC-BAAC-E09AAE164842}"/>
+                <a16:creationId xmlns:a16="http://schemas.microsoft.com/office/drawing/2014/main" xmlns="" id="{ADD562DF-1CED-49CC-BAAC-E09AAE164842}"/>
               </a:ext>
             </a:extLst>
           </p:cNvPr>
@@ -871,7 +876,7 @@
           <a:p>
             <a:fld id="{579738E7-D935-48AE-9BDC-45E9F17134E5}" type="datetimeFigureOut">
               <a:rPr lang="en-US" smtClean="0"/>
-              <a:t>2/4/2018</a:t>
+              <a:t>9/17/2018</a:t>
             </a:fld>
             <a:endParaRPr lang="en-US"/>
           </a:p>
@@ -882,7 +887,7 @@
           <p:cNvPr id="5" name="Footer Placeholder 4">
             <a:extLst>
               <a:ext uri="{FF2B5EF4-FFF2-40B4-BE49-F238E27FC236}">
-                <a16:creationId xmlns:a16="http://schemas.microsoft.com/office/drawing/2014/main" id="{2C4EF09B-21BD-4FF9-AE7B-F611427A2269}"/>
+                <a16:creationId xmlns:a16="http://schemas.microsoft.com/office/drawing/2014/main" xmlns="" id="{2C4EF09B-21BD-4FF9-AE7B-F611427A2269}"/>
               </a:ext>
             </a:extLst>
           </p:cNvPr>
@@ -907,7 +912,7 @@
           <p:cNvPr id="6" name="Slide Number Placeholder 5">
             <a:extLst>
               <a:ext uri="{FF2B5EF4-FFF2-40B4-BE49-F238E27FC236}">
-                <a16:creationId xmlns:a16="http://schemas.microsoft.com/office/drawing/2014/main" id="{C753D6BA-3CB5-48EB-A5C0-E259FEA1A9BC}"/>
+                <a16:creationId xmlns:a16="http://schemas.microsoft.com/office/drawing/2014/main" xmlns="" id="{C753D6BA-3CB5-48EB-A5C0-E259FEA1A9BC}"/>
               </a:ext>
             </a:extLst>
           </p:cNvPr>
@@ -966,7 +971,7 @@
           <p:cNvPr id="2" name="Title 1">
             <a:extLst>
               <a:ext uri="{FF2B5EF4-FFF2-40B4-BE49-F238E27FC236}">
-                <a16:creationId xmlns:a16="http://schemas.microsoft.com/office/drawing/2014/main" id="{4ACECAFB-2B41-4F6F-98FB-E79CC6F6412C}"/>
+                <a16:creationId xmlns:a16="http://schemas.microsoft.com/office/drawing/2014/main" xmlns="" id="{4ACECAFB-2B41-4F6F-98FB-E79CC6F6412C}"/>
               </a:ext>
             </a:extLst>
           </p:cNvPr>
@@ -1003,7 +1008,7 @@
           <p:cNvPr id="3" name="Text Placeholder 2">
             <a:extLst>
               <a:ext uri="{FF2B5EF4-FFF2-40B4-BE49-F238E27FC236}">
-                <a16:creationId xmlns:a16="http://schemas.microsoft.com/office/drawing/2014/main" id="{52788D4C-E8C1-43E2-A3C8-C6FA878BF848}"/>
+                <a16:creationId xmlns:a16="http://schemas.microsoft.com/office/drawing/2014/main" xmlns="" id="{52788D4C-E8C1-43E2-A3C8-C6FA878BF848}"/>
               </a:ext>
             </a:extLst>
           </p:cNvPr>
@@ -1128,7 +1133,7 @@
           <p:cNvPr id="4" name="Date Placeholder 3">
             <a:extLst>
               <a:ext uri="{FF2B5EF4-FFF2-40B4-BE49-F238E27FC236}">
-                <a16:creationId xmlns:a16="http://schemas.microsoft.com/office/drawing/2014/main" id="{90673CCB-94CB-44BA-8AD4-EEBBF19216D0}"/>
+                <a16:creationId xmlns:a16="http://schemas.microsoft.com/office/drawing/2014/main" xmlns="" id="{90673CCB-94CB-44BA-8AD4-EEBBF19216D0}"/>
               </a:ext>
             </a:extLst>
           </p:cNvPr>
@@ -1146,7 +1151,7 @@
           <a:p>
             <a:fld id="{579738E7-D935-48AE-9BDC-45E9F17134E5}" type="datetimeFigureOut">
               <a:rPr lang="en-US" smtClean="0"/>
-              <a:t>2/4/2018</a:t>
+              <a:t>9/17/2018</a:t>
             </a:fld>
             <a:endParaRPr lang="en-US"/>
           </a:p>
@@ -1157,7 +1162,7 @@
           <p:cNvPr id="5" name="Footer Placeholder 4">
             <a:extLst>
               <a:ext uri="{FF2B5EF4-FFF2-40B4-BE49-F238E27FC236}">
-                <a16:creationId xmlns:a16="http://schemas.microsoft.com/office/drawing/2014/main" id="{C59C9EA5-72D1-4CE4-BD7F-CF7D4056DA20}"/>
+                <a16:creationId xmlns:a16="http://schemas.microsoft.com/office/drawing/2014/main" xmlns="" id="{C59C9EA5-72D1-4CE4-BD7F-CF7D4056DA20}"/>
               </a:ext>
             </a:extLst>
           </p:cNvPr>
@@ -1182,7 +1187,7 @@
           <p:cNvPr id="6" name="Slide Number Placeholder 5">
             <a:extLst>
               <a:ext uri="{FF2B5EF4-FFF2-40B4-BE49-F238E27FC236}">
-                <a16:creationId xmlns:a16="http://schemas.microsoft.com/office/drawing/2014/main" id="{2EEEC509-3970-4FDD-B886-8095BA5E60A3}"/>
+                <a16:creationId xmlns:a16="http://schemas.microsoft.com/office/drawing/2014/main" xmlns="" id="{2EEEC509-3970-4FDD-B886-8095BA5E60A3}"/>
               </a:ext>
             </a:extLst>
           </p:cNvPr>
@@ -1241,7 +1246,7 @@
           <p:cNvPr id="2" name="Title 1">
             <a:extLst>
               <a:ext uri="{FF2B5EF4-FFF2-40B4-BE49-F238E27FC236}">
-                <a16:creationId xmlns:a16="http://schemas.microsoft.com/office/drawing/2014/main" id="{70D098BD-9A43-48A8-BF24-DB87B0347671}"/>
+                <a16:creationId xmlns:a16="http://schemas.microsoft.com/office/drawing/2014/main" xmlns="" id="{70D098BD-9A43-48A8-BF24-DB87B0347671}"/>
               </a:ext>
             </a:extLst>
           </p:cNvPr>
@@ -1269,7 +1274,7 @@
           <p:cNvPr id="3" name="Content Placeholder 2">
             <a:extLst>
               <a:ext uri="{FF2B5EF4-FFF2-40B4-BE49-F238E27FC236}">
-                <a16:creationId xmlns:a16="http://schemas.microsoft.com/office/drawing/2014/main" id="{B7A89DE1-4E2B-435E-8989-5FEFF7C85B8A}"/>
+                <a16:creationId xmlns:a16="http://schemas.microsoft.com/office/drawing/2014/main" xmlns="" id="{B7A89DE1-4E2B-435E-8989-5FEFF7C85B8A}"/>
               </a:ext>
             </a:extLst>
           </p:cNvPr>
@@ -1331,7 +1336,7 @@
           <p:cNvPr id="4" name="Content Placeholder 3">
             <a:extLst>
               <a:ext uri="{FF2B5EF4-FFF2-40B4-BE49-F238E27FC236}">
-                <a16:creationId xmlns:a16="http://schemas.microsoft.com/office/drawing/2014/main" id="{D9BBEAEA-7210-4E75-A65B-E455A5F1F5D4}"/>
+                <a16:creationId xmlns:a16="http://schemas.microsoft.com/office/drawing/2014/main" xmlns="" id="{D9BBEAEA-7210-4E75-A65B-E455A5F1F5D4}"/>
               </a:ext>
             </a:extLst>
           </p:cNvPr>
@@ -1393,7 +1398,7 @@
           <p:cNvPr id="5" name="Date Placeholder 4">
             <a:extLst>
               <a:ext uri="{FF2B5EF4-FFF2-40B4-BE49-F238E27FC236}">
-                <a16:creationId xmlns:a16="http://schemas.microsoft.com/office/drawing/2014/main" id="{6D4CD90B-D64F-4223-9CE4-A20C302BFAA4}"/>
+                <a16:creationId xmlns:a16="http://schemas.microsoft.com/office/drawing/2014/main" xmlns="" id="{6D4CD90B-D64F-4223-9CE4-A20C302BFAA4}"/>
               </a:ext>
             </a:extLst>
           </p:cNvPr>
@@ -1411,7 +1416,7 @@
           <a:p>
             <a:fld id="{579738E7-D935-48AE-9BDC-45E9F17134E5}" type="datetimeFigureOut">
               <a:rPr lang="en-US" smtClean="0"/>
-              <a:t>2/4/2018</a:t>
+              <a:t>9/17/2018</a:t>
             </a:fld>
             <a:endParaRPr lang="en-US"/>
           </a:p>
@@ -1422,7 +1427,7 @@
           <p:cNvPr id="6" name="Footer Placeholder 5">
             <a:extLst>
               <a:ext uri="{FF2B5EF4-FFF2-40B4-BE49-F238E27FC236}">
-                <a16:creationId xmlns:a16="http://schemas.microsoft.com/office/drawing/2014/main" id="{239ABA79-3925-49F2-B939-CAA064886B19}"/>
+                <a16:creationId xmlns:a16="http://schemas.microsoft.com/office/drawing/2014/main" xmlns="" id="{239ABA79-3925-49F2-B939-CAA064886B19}"/>
               </a:ext>
             </a:extLst>
           </p:cNvPr>
@@ -1447,7 +1452,7 @@
           <p:cNvPr id="7" name="Slide Number Placeholder 6">
             <a:extLst>
               <a:ext uri="{FF2B5EF4-FFF2-40B4-BE49-F238E27FC236}">
-                <a16:creationId xmlns:a16="http://schemas.microsoft.com/office/drawing/2014/main" id="{512B7C71-97CB-4E7A-B590-0BF13F02588F}"/>
+                <a16:creationId xmlns:a16="http://schemas.microsoft.com/office/drawing/2014/main" xmlns="" id="{512B7C71-97CB-4E7A-B590-0BF13F02588F}"/>
               </a:ext>
             </a:extLst>
           </p:cNvPr>
@@ -1506,7 +1511,7 @@
           <p:cNvPr id="2" name="Title 1">
             <a:extLst>
               <a:ext uri="{FF2B5EF4-FFF2-40B4-BE49-F238E27FC236}">
-                <a16:creationId xmlns:a16="http://schemas.microsoft.com/office/drawing/2014/main" id="{4B3175B1-543F-44AE-9156-601EEF6E26A7}"/>
+                <a16:creationId xmlns:a16="http://schemas.microsoft.com/office/drawing/2014/main" xmlns="" id="{4B3175B1-543F-44AE-9156-601EEF6E26A7}"/>
               </a:ext>
             </a:extLst>
           </p:cNvPr>
@@ -1539,7 +1544,7 @@
           <p:cNvPr id="3" name="Text Placeholder 2">
             <a:extLst>
               <a:ext uri="{FF2B5EF4-FFF2-40B4-BE49-F238E27FC236}">
-                <a16:creationId xmlns:a16="http://schemas.microsoft.com/office/drawing/2014/main" id="{5E5DD3E4-03A5-4FFB-8C68-6F34C2BCF54B}"/>
+                <a16:creationId xmlns:a16="http://schemas.microsoft.com/office/drawing/2014/main" xmlns="" id="{5E5DD3E4-03A5-4FFB-8C68-6F34C2BCF54B}"/>
               </a:ext>
             </a:extLst>
           </p:cNvPr>
@@ -1610,7 +1615,7 @@
           <p:cNvPr id="4" name="Content Placeholder 3">
             <a:extLst>
               <a:ext uri="{FF2B5EF4-FFF2-40B4-BE49-F238E27FC236}">
-                <a16:creationId xmlns:a16="http://schemas.microsoft.com/office/drawing/2014/main" id="{FB6A7F9D-298B-419D-BA26-1FFDCA941A74}"/>
+                <a16:creationId xmlns:a16="http://schemas.microsoft.com/office/drawing/2014/main" xmlns="" id="{FB6A7F9D-298B-419D-BA26-1FFDCA941A74}"/>
               </a:ext>
             </a:extLst>
           </p:cNvPr>
@@ -1672,7 +1677,7 @@
           <p:cNvPr id="5" name="Text Placeholder 4">
             <a:extLst>
               <a:ext uri="{FF2B5EF4-FFF2-40B4-BE49-F238E27FC236}">
-                <a16:creationId xmlns:a16="http://schemas.microsoft.com/office/drawing/2014/main" id="{D04CFAE1-9C18-464F-92F0-304C9ADEC83A}"/>
+                <a16:creationId xmlns:a16="http://schemas.microsoft.com/office/drawing/2014/main" xmlns="" id="{D04CFAE1-9C18-464F-92F0-304C9ADEC83A}"/>
               </a:ext>
             </a:extLst>
           </p:cNvPr>
@@ -1743,7 +1748,7 @@
           <p:cNvPr id="6" name="Content Placeholder 5">
             <a:extLst>
               <a:ext uri="{FF2B5EF4-FFF2-40B4-BE49-F238E27FC236}">
-                <a16:creationId xmlns:a16="http://schemas.microsoft.com/office/drawing/2014/main" id="{DCB4FDF5-DBE5-4CC6-9A58-C916E9C2A3B4}"/>
+                <a16:creationId xmlns:a16="http://schemas.microsoft.com/office/drawing/2014/main" xmlns="" id="{DCB4FDF5-DBE5-4CC6-9A58-C916E9C2A3B4}"/>
               </a:ext>
             </a:extLst>
           </p:cNvPr>
@@ -1805,7 +1810,7 @@
           <p:cNvPr id="7" name="Date Placeholder 6">
             <a:extLst>
               <a:ext uri="{FF2B5EF4-FFF2-40B4-BE49-F238E27FC236}">
-                <a16:creationId xmlns:a16="http://schemas.microsoft.com/office/drawing/2014/main" id="{F740B2BD-A291-4A58-931F-CFB1AFE2FB43}"/>
+                <a16:creationId xmlns:a16="http://schemas.microsoft.com/office/drawing/2014/main" xmlns="" id="{F740B2BD-A291-4A58-931F-CFB1AFE2FB43}"/>
               </a:ext>
             </a:extLst>
           </p:cNvPr>
@@ -1823,7 +1828,7 @@
           <a:p>
             <a:fld id="{579738E7-D935-48AE-9BDC-45E9F17134E5}" type="datetimeFigureOut">
               <a:rPr lang="en-US" smtClean="0"/>
-              <a:t>2/4/2018</a:t>
+              <a:t>9/17/2018</a:t>
             </a:fld>
             <a:endParaRPr lang="en-US"/>
           </a:p>
@@ -1834,7 +1839,7 @@
           <p:cNvPr id="8" name="Footer Placeholder 7">
             <a:extLst>
               <a:ext uri="{FF2B5EF4-FFF2-40B4-BE49-F238E27FC236}">
-                <a16:creationId xmlns:a16="http://schemas.microsoft.com/office/drawing/2014/main" id="{9100B372-5CF8-4E23-8872-909E30B21255}"/>
+                <a16:creationId xmlns:a16="http://schemas.microsoft.com/office/drawing/2014/main" xmlns="" id="{9100B372-5CF8-4E23-8872-909E30B21255}"/>
               </a:ext>
             </a:extLst>
           </p:cNvPr>
@@ -1859,7 +1864,7 @@
           <p:cNvPr id="9" name="Slide Number Placeholder 8">
             <a:extLst>
               <a:ext uri="{FF2B5EF4-FFF2-40B4-BE49-F238E27FC236}">
-                <a16:creationId xmlns:a16="http://schemas.microsoft.com/office/drawing/2014/main" id="{1F12A1F6-A0D6-4313-BD76-66131B7AB786}"/>
+                <a16:creationId xmlns:a16="http://schemas.microsoft.com/office/drawing/2014/main" xmlns="" id="{1F12A1F6-A0D6-4313-BD76-66131B7AB786}"/>
               </a:ext>
             </a:extLst>
           </p:cNvPr>
@@ -1918,7 +1923,7 @@
           <p:cNvPr id="2" name="Title 1">
             <a:extLst>
               <a:ext uri="{FF2B5EF4-FFF2-40B4-BE49-F238E27FC236}">
-                <a16:creationId xmlns:a16="http://schemas.microsoft.com/office/drawing/2014/main" id="{7977A041-44E9-4324-9C1A-B9239882DA73}"/>
+                <a16:creationId xmlns:a16="http://schemas.microsoft.com/office/drawing/2014/main" xmlns="" id="{7977A041-44E9-4324-9C1A-B9239882DA73}"/>
               </a:ext>
             </a:extLst>
           </p:cNvPr>
@@ -1946,7 +1951,7 @@
           <p:cNvPr id="3" name="Date Placeholder 2">
             <a:extLst>
               <a:ext uri="{FF2B5EF4-FFF2-40B4-BE49-F238E27FC236}">
-                <a16:creationId xmlns:a16="http://schemas.microsoft.com/office/drawing/2014/main" id="{46A14BBA-02CD-4EC1-80CD-D85CEC3F7377}"/>
+                <a16:creationId xmlns:a16="http://schemas.microsoft.com/office/drawing/2014/main" xmlns="" id="{46A14BBA-02CD-4EC1-80CD-D85CEC3F7377}"/>
               </a:ext>
             </a:extLst>
           </p:cNvPr>
@@ -1964,7 +1969,7 @@
           <a:p>
             <a:fld id="{579738E7-D935-48AE-9BDC-45E9F17134E5}" type="datetimeFigureOut">
               <a:rPr lang="en-US" smtClean="0"/>
-              <a:t>2/4/2018</a:t>
+              <a:t>9/17/2018</a:t>
             </a:fld>
             <a:endParaRPr lang="en-US"/>
           </a:p>
@@ -1975,7 +1980,7 @@
           <p:cNvPr id="4" name="Footer Placeholder 3">
             <a:extLst>
               <a:ext uri="{FF2B5EF4-FFF2-40B4-BE49-F238E27FC236}">
-                <a16:creationId xmlns:a16="http://schemas.microsoft.com/office/drawing/2014/main" id="{E1FE8BC1-4C5F-44CD-B5AD-30CBDBBC42B4}"/>
+                <a16:creationId xmlns:a16="http://schemas.microsoft.com/office/drawing/2014/main" xmlns="" id="{E1FE8BC1-4C5F-44CD-B5AD-30CBDBBC42B4}"/>
               </a:ext>
             </a:extLst>
           </p:cNvPr>
@@ -2000,7 +2005,7 @@
           <p:cNvPr id="5" name="Slide Number Placeholder 4">
             <a:extLst>
               <a:ext uri="{FF2B5EF4-FFF2-40B4-BE49-F238E27FC236}">
-                <a16:creationId xmlns:a16="http://schemas.microsoft.com/office/drawing/2014/main" id="{34805DCD-6B89-4542-B802-77EB2F7435D1}"/>
+                <a16:creationId xmlns:a16="http://schemas.microsoft.com/office/drawing/2014/main" xmlns="" id="{34805DCD-6B89-4542-B802-77EB2F7435D1}"/>
               </a:ext>
             </a:extLst>
           </p:cNvPr>
@@ -2059,7 +2064,7 @@
           <p:cNvPr id="2" name="Date Placeholder 1">
             <a:extLst>
               <a:ext uri="{FF2B5EF4-FFF2-40B4-BE49-F238E27FC236}">
-                <a16:creationId xmlns:a16="http://schemas.microsoft.com/office/drawing/2014/main" id="{E1004B16-48B7-43E5-BBA5-E0F46D97DA77}"/>
+                <a16:creationId xmlns:a16="http://schemas.microsoft.com/office/drawing/2014/main" xmlns="" id="{E1004B16-48B7-43E5-BBA5-E0F46D97DA77}"/>
               </a:ext>
             </a:extLst>
           </p:cNvPr>
@@ -2077,7 +2082,7 @@
           <a:p>
             <a:fld id="{579738E7-D935-48AE-9BDC-45E9F17134E5}" type="datetimeFigureOut">
               <a:rPr lang="en-US" smtClean="0"/>
-              <a:t>2/4/2018</a:t>
+              <a:t>9/17/2018</a:t>
             </a:fld>
             <a:endParaRPr lang="en-US"/>
           </a:p>
@@ -2088,7 +2093,7 @@
           <p:cNvPr id="3" name="Footer Placeholder 2">
             <a:extLst>
               <a:ext uri="{FF2B5EF4-FFF2-40B4-BE49-F238E27FC236}">
-                <a16:creationId xmlns:a16="http://schemas.microsoft.com/office/drawing/2014/main" id="{F8C4E65F-EE65-43F9-A877-34457E38B891}"/>
+                <a16:creationId xmlns:a16="http://schemas.microsoft.com/office/drawing/2014/main" xmlns="" id="{F8C4E65F-EE65-43F9-A877-34457E38B891}"/>
               </a:ext>
             </a:extLst>
           </p:cNvPr>
@@ -2113,7 +2118,7 @@
           <p:cNvPr id="4" name="Slide Number Placeholder 3">
             <a:extLst>
               <a:ext uri="{FF2B5EF4-FFF2-40B4-BE49-F238E27FC236}">
-                <a16:creationId xmlns:a16="http://schemas.microsoft.com/office/drawing/2014/main" id="{5CAA820B-DFBA-40E6-8227-A30B6C63528A}"/>
+                <a16:creationId xmlns:a16="http://schemas.microsoft.com/office/drawing/2014/main" xmlns="" id="{5CAA820B-DFBA-40E6-8227-A30B6C63528A}"/>
               </a:ext>
             </a:extLst>
           </p:cNvPr>
@@ -2172,7 +2177,7 @@
           <p:cNvPr id="2" name="Title 1">
             <a:extLst>
               <a:ext uri="{FF2B5EF4-FFF2-40B4-BE49-F238E27FC236}">
-                <a16:creationId xmlns:a16="http://schemas.microsoft.com/office/drawing/2014/main" id="{03C9F32D-FD82-4CD6-9B4C-36AC2A8E53C0}"/>
+                <a16:creationId xmlns:a16="http://schemas.microsoft.com/office/drawing/2014/main" xmlns="" id="{03C9F32D-FD82-4CD6-9B4C-36AC2A8E53C0}"/>
               </a:ext>
             </a:extLst>
           </p:cNvPr>
@@ -2209,7 +2214,7 @@
           <p:cNvPr id="3" name="Content Placeholder 2">
             <a:extLst>
               <a:ext uri="{FF2B5EF4-FFF2-40B4-BE49-F238E27FC236}">
-                <a16:creationId xmlns:a16="http://schemas.microsoft.com/office/drawing/2014/main" id="{98C6B5C5-D516-4E45-97E3-EB597EA439FA}"/>
+                <a16:creationId xmlns:a16="http://schemas.microsoft.com/office/drawing/2014/main" xmlns="" id="{98C6B5C5-D516-4E45-97E3-EB597EA439FA}"/>
               </a:ext>
             </a:extLst>
           </p:cNvPr>
@@ -2299,7 +2304,7 @@
           <p:cNvPr id="4" name="Text Placeholder 3">
             <a:extLst>
               <a:ext uri="{FF2B5EF4-FFF2-40B4-BE49-F238E27FC236}">
-                <a16:creationId xmlns:a16="http://schemas.microsoft.com/office/drawing/2014/main" id="{A8DE4333-2DB4-4557-A4F8-63DEC4F288BA}"/>
+                <a16:creationId xmlns:a16="http://schemas.microsoft.com/office/drawing/2014/main" xmlns="" id="{A8DE4333-2DB4-4557-A4F8-63DEC4F288BA}"/>
               </a:ext>
             </a:extLst>
           </p:cNvPr>
@@ -2370,7 +2375,7 @@
           <p:cNvPr id="5" name="Date Placeholder 4">
             <a:extLst>
               <a:ext uri="{FF2B5EF4-FFF2-40B4-BE49-F238E27FC236}">
-                <a16:creationId xmlns:a16="http://schemas.microsoft.com/office/drawing/2014/main" id="{D9E71590-3F9B-4057-84F3-60A25C61B2DE}"/>
+                <a16:creationId xmlns:a16="http://schemas.microsoft.com/office/drawing/2014/main" xmlns="" id="{D9E71590-3F9B-4057-84F3-60A25C61B2DE}"/>
               </a:ext>
             </a:extLst>
           </p:cNvPr>
@@ -2388,7 +2393,7 @@
           <a:p>
             <a:fld id="{579738E7-D935-48AE-9BDC-45E9F17134E5}" type="datetimeFigureOut">
               <a:rPr lang="en-US" smtClean="0"/>
-              <a:t>2/4/2018</a:t>
+              <a:t>9/17/2018</a:t>
             </a:fld>
             <a:endParaRPr lang="en-US"/>
           </a:p>
@@ -2399,7 +2404,7 @@
           <p:cNvPr id="6" name="Footer Placeholder 5">
             <a:extLst>
               <a:ext uri="{FF2B5EF4-FFF2-40B4-BE49-F238E27FC236}">
-                <a16:creationId xmlns:a16="http://schemas.microsoft.com/office/drawing/2014/main" id="{73E49A2F-6679-4EB3-B939-395BE014B68D}"/>
+                <a16:creationId xmlns:a16="http://schemas.microsoft.com/office/drawing/2014/main" xmlns="" id="{73E49A2F-6679-4EB3-B939-395BE014B68D}"/>
               </a:ext>
             </a:extLst>
           </p:cNvPr>
@@ -2424,7 +2429,7 @@
           <p:cNvPr id="7" name="Slide Number Placeholder 6">
             <a:extLst>
               <a:ext uri="{FF2B5EF4-FFF2-40B4-BE49-F238E27FC236}">
-                <a16:creationId xmlns:a16="http://schemas.microsoft.com/office/drawing/2014/main" id="{8E42F2E6-9F34-496E-B30E-C87280837AD6}"/>
+                <a16:creationId xmlns:a16="http://schemas.microsoft.com/office/drawing/2014/main" xmlns="" id="{8E42F2E6-9F34-496E-B30E-C87280837AD6}"/>
               </a:ext>
             </a:extLst>
           </p:cNvPr>
@@ -2483,7 +2488,7 @@
           <p:cNvPr id="2" name="Title 1">
             <a:extLst>
               <a:ext uri="{FF2B5EF4-FFF2-40B4-BE49-F238E27FC236}">
-                <a16:creationId xmlns:a16="http://schemas.microsoft.com/office/drawing/2014/main" id="{8ED1AE5A-E75C-4075-9E79-C44B3E9B395D}"/>
+                <a16:creationId xmlns:a16="http://schemas.microsoft.com/office/drawing/2014/main" xmlns="" id="{8ED1AE5A-E75C-4075-9E79-C44B3E9B395D}"/>
               </a:ext>
             </a:extLst>
           </p:cNvPr>
@@ -2520,7 +2525,7 @@
           <p:cNvPr id="3" name="Picture Placeholder 2">
             <a:extLst>
               <a:ext uri="{FF2B5EF4-FFF2-40B4-BE49-F238E27FC236}">
-                <a16:creationId xmlns:a16="http://schemas.microsoft.com/office/drawing/2014/main" id="{B2C38507-E1AE-427C-87D4-A5F41C26CCD3}"/>
+                <a16:creationId xmlns:a16="http://schemas.microsoft.com/office/drawing/2014/main" xmlns="" id="{B2C38507-E1AE-427C-87D4-A5F41C26CCD3}"/>
               </a:ext>
             </a:extLst>
           </p:cNvPr>
@@ -2587,7 +2592,7 @@
           <p:cNvPr id="4" name="Text Placeholder 3">
             <a:extLst>
               <a:ext uri="{FF2B5EF4-FFF2-40B4-BE49-F238E27FC236}">
-                <a16:creationId xmlns:a16="http://schemas.microsoft.com/office/drawing/2014/main" id="{AE47DB7D-38CE-40CE-BEF5-5EF88A9FB45D}"/>
+                <a16:creationId xmlns:a16="http://schemas.microsoft.com/office/drawing/2014/main" xmlns="" id="{AE47DB7D-38CE-40CE-BEF5-5EF88A9FB45D}"/>
               </a:ext>
             </a:extLst>
           </p:cNvPr>
@@ -2658,7 +2663,7 @@
           <p:cNvPr id="5" name="Date Placeholder 4">
             <a:extLst>
               <a:ext uri="{FF2B5EF4-FFF2-40B4-BE49-F238E27FC236}">
-                <a16:creationId xmlns:a16="http://schemas.microsoft.com/office/drawing/2014/main" id="{459AACF1-27A5-41A5-9AFE-8D1D466226C5}"/>
+                <a16:creationId xmlns:a16="http://schemas.microsoft.com/office/drawing/2014/main" xmlns="" id="{459AACF1-27A5-41A5-9AFE-8D1D466226C5}"/>
               </a:ext>
             </a:extLst>
           </p:cNvPr>
@@ -2676,7 +2681,7 @@
           <a:p>
             <a:fld id="{579738E7-D935-48AE-9BDC-45E9F17134E5}" type="datetimeFigureOut">
               <a:rPr lang="en-US" smtClean="0"/>
-              <a:t>2/4/2018</a:t>
+              <a:t>9/17/2018</a:t>
             </a:fld>
             <a:endParaRPr lang="en-US"/>
           </a:p>
@@ -2687,7 +2692,7 @@
           <p:cNvPr id="6" name="Footer Placeholder 5">
             <a:extLst>
               <a:ext uri="{FF2B5EF4-FFF2-40B4-BE49-F238E27FC236}">
-                <a16:creationId xmlns:a16="http://schemas.microsoft.com/office/drawing/2014/main" id="{9BCF8A4A-89EA-4AB8-BFC7-EB8F614D893B}"/>
+                <a16:creationId xmlns:a16="http://schemas.microsoft.com/office/drawing/2014/main" xmlns="" id="{9BCF8A4A-89EA-4AB8-BFC7-EB8F614D893B}"/>
               </a:ext>
             </a:extLst>
           </p:cNvPr>
@@ -2712,7 +2717,7 @@
           <p:cNvPr id="7" name="Slide Number Placeholder 6">
             <a:extLst>
               <a:ext uri="{FF2B5EF4-FFF2-40B4-BE49-F238E27FC236}">
-                <a16:creationId xmlns:a16="http://schemas.microsoft.com/office/drawing/2014/main" id="{F2B4ABE6-2779-4CBA-9E2A-A8F0058001FE}"/>
+                <a16:creationId xmlns:a16="http://schemas.microsoft.com/office/drawing/2014/main" xmlns="" id="{F2B4ABE6-2779-4CBA-9E2A-A8F0058001FE}"/>
               </a:ext>
             </a:extLst>
           </p:cNvPr>
@@ -2776,7 +2781,7 @@
           <p:cNvPr id="2" name="Title Placeholder 1">
             <a:extLst>
               <a:ext uri="{FF2B5EF4-FFF2-40B4-BE49-F238E27FC236}">
-                <a16:creationId xmlns:a16="http://schemas.microsoft.com/office/drawing/2014/main" id="{C2BFE76C-74FA-4558-A1DB-4C0E8EE5A100}"/>
+                <a16:creationId xmlns:a16="http://schemas.microsoft.com/office/drawing/2014/main" xmlns="" id="{C2BFE76C-74FA-4558-A1DB-4C0E8EE5A100}"/>
               </a:ext>
             </a:extLst>
           </p:cNvPr>
@@ -2814,7 +2819,7 @@
           <p:cNvPr id="3" name="Text Placeholder 2">
             <a:extLst>
               <a:ext uri="{FF2B5EF4-FFF2-40B4-BE49-F238E27FC236}">
-                <a16:creationId xmlns:a16="http://schemas.microsoft.com/office/drawing/2014/main" id="{D44E4ADF-62B4-4CB3-8205-3DAFF524E72B}"/>
+                <a16:creationId xmlns:a16="http://schemas.microsoft.com/office/drawing/2014/main" xmlns="" id="{D44E4ADF-62B4-4CB3-8205-3DAFF524E72B}"/>
               </a:ext>
             </a:extLst>
           </p:cNvPr>
@@ -2881,7 +2886,7 @@
           <p:cNvPr id="4" name="Date Placeholder 3">
             <a:extLst>
               <a:ext uri="{FF2B5EF4-FFF2-40B4-BE49-F238E27FC236}">
-                <a16:creationId xmlns:a16="http://schemas.microsoft.com/office/drawing/2014/main" id="{E6D28528-EC01-4616-8BC2-C1AABEEDC0A0}"/>
+                <a16:creationId xmlns:a16="http://schemas.microsoft.com/office/drawing/2014/main" xmlns="" id="{E6D28528-EC01-4616-8BC2-C1AABEEDC0A0}"/>
               </a:ext>
             </a:extLst>
           </p:cNvPr>
@@ -2917,7 +2922,7 @@
           <a:p>
             <a:fld id="{579738E7-D935-48AE-9BDC-45E9F17134E5}" type="datetimeFigureOut">
               <a:rPr lang="en-US" smtClean="0"/>
-              <a:t>2/4/2018</a:t>
+              <a:t>9/17/2018</a:t>
             </a:fld>
             <a:endParaRPr lang="en-US"/>
           </a:p>
@@ -2928,7 +2933,7 @@
           <p:cNvPr id="5" name="Footer Placeholder 4">
             <a:extLst>
               <a:ext uri="{FF2B5EF4-FFF2-40B4-BE49-F238E27FC236}">
-                <a16:creationId xmlns:a16="http://schemas.microsoft.com/office/drawing/2014/main" id="{A6A104F7-807E-4BB0-B4E9-6B4FF427EC4C}"/>
+                <a16:creationId xmlns:a16="http://schemas.microsoft.com/office/drawing/2014/main" xmlns="" id="{A6A104F7-807E-4BB0-B4E9-6B4FF427EC4C}"/>
               </a:ext>
             </a:extLst>
           </p:cNvPr>
@@ -2971,7 +2976,7 @@
           <p:cNvPr id="6" name="Slide Number Placeholder 5">
             <a:extLst>
               <a:ext uri="{FF2B5EF4-FFF2-40B4-BE49-F238E27FC236}">
-                <a16:creationId xmlns:a16="http://schemas.microsoft.com/office/drawing/2014/main" id="{E1976287-57C5-4D86-86E0-FA8F0CB560E0}"/>
+                <a16:creationId xmlns:a16="http://schemas.microsoft.com/office/drawing/2014/main" xmlns="" id="{E1976287-57C5-4D86-86E0-FA8F0CB560E0}"/>
               </a:ext>
             </a:extLst>
           </p:cNvPr>
@@ -3353,7 +3358,7 @@
           <a:p>
             <a:r>
               <a:rPr lang="en-US" sz="5300" dirty="0"/>
-              <a:t>ICS2O0 / ICS3C0</a:t>
+              <a:t>ICS2O0 </a:t>
             </a:r>
             <a:br>
               <a:rPr lang="en-US" sz="5300" dirty="0"/>
@@ -3364,7 +3369,15 @@
             </a:r>
             <a:r>
               <a:rPr lang="en-US" sz="4000" dirty="0"/>
-              <a:t>Grade 10/11 Computer Science</a:t>
+              <a:t>Grade </a:t>
+            </a:r>
+            <a:r>
+              <a:rPr lang="en-US" sz="4000" dirty="0" smtClean="0"/>
+              <a:t>10 </a:t>
+            </a:r>
+            <a:r>
+              <a:rPr lang="en-US" sz="4000" dirty="0"/>
+              <a:t>Computer Science</a:t>
             </a:r>
             <a:r>
               <a:rPr lang="en-US" dirty="0"/>
@@ -3430,7 +3443,7 @@
           <p:cNvPr id="2" name="Title 1">
             <a:extLst>
               <a:ext uri="{FF2B5EF4-FFF2-40B4-BE49-F238E27FC236}">
-                <a16:creationId xmlns:a16="http://schemas.microsoft.com/office/drawing/2014/main" id="{EC57FF28-6E9D-43B9-B785-ADCCE3B233F3}"/>
+                <a16:creationId xmlns:a16="http://schemas.microsoft.com/office/drawing/2014/main" xmlns="" id="{EC57FF28-6E9D-43B9-B785-ADCCE3B233F3}"/>
               </a:ext>
             </a:extLst>
           </p:cNvPr>
@@ -3458,7 +3471,7 @@
           <p:cNvPr id="3" name="Content Placeholder 2">
             <a:extLst>
               <a:ext uri="{FF2B5EF4-FFF2-40B4-BE49-F238E27FC236}">
-                <a16:creationId xmlns:a16="http://schemas.microsoft.com/office/drawing/2014/main" id="{3946B894-3663-4798-8575-B1FA681A1F15}"/>
+                <a16:creationId xmlns:a16="http://schemas.microsoft.com/office/drawing/2014/main" xmlns="" id="{3946B894-3663-4798-8575-B1FA681A1F15}"/>
               </a:ext>
             </a:extLst>
           </p:cNvPr>
@@ -3633,7 +3646,7 @@
           <p:cNvPr id="4" name="Title 3">
             <a:extLst>
               <a:ext uri="{FF2B5EF4-FFF2-40B4-BE49-F238E27FC236}">
-                <a16:creationId xmlns:a16="http://schemas.microsoft.com/office/drawing/2014/main" id="{AF077155-C7AF-4F5E-8728-B3E0AAC6630F}"/>
+                <a16:creationId xmlns:a16="http://schemas.microsoft.com/office/drawing/2014/main" xmlns="" id="{AF077155-C7AF-4F5E-8728-B3E0AAC6630F}"/>
               </a:ext>
             </a:extLst>
           </p:cNvPr>
@@ -3661,7 +3674,7 @@
           <p:cNvPr id="5" name="Text Placeholder 4">
             <a:extLst>
               <a:ext uri="{FF2B5EF4-FFF2-40B4-BE49-F238E27FC236}">
-                <a16:creationId xmlns:a16="http://schemas.microsoft.com/office/drawing/2014/main" id="{EFE55878-3561-40B2-9AF6-0AF4AB0D84EA}"/>
+                <a16:creationId xmlns:a16="http://schemas.microsoft.com/office/drawing/2014/main" xmlns="" id="{EFE55878-3561-40B2-9AF6-0AF4AB0D84EA}"/>
               </a:ext>
             </a:extLst>
           </p:cNvPr>
@@ -3686,7 +3699,7 @@
           <p:cNvPr id="5122" name="Picture 2" descr="Image result for computer studies">
             <a:extLst>
               <a:ext uri="{FF2B5EF4-FFF2-40B4-BE49-F238E27FC236}">
-                <a16:creationId xmlns:a16="http://schemas.microsoft.com/office/drawing/2014/main" id="{D6F45B91-B4D0-4173-AA34-4C40EF8D8F8F}"/>
+                <a16:creationId xmlns:a16="http://schemas.microsoft.com/office/drawing/2014/main" xmlns="" id="{D6F45B91-B4D0-4173-AA34-4C40EF8D8F8F}"/>
               </a:ext>
             </a:extLst>
           </p:cNvPr>
@@ -3763,7 +3776,7 @@
           <p:cNvPr id="2" name="Title 1">
             <a:extLst>
               <a:ext uri="{FF2B5EF4-FFF2-40B4-BE49-F238E27FC236}">
-                <a16:creationId xmlns:a16="http://schemas.microsoft.com/office/drawing/2014/main" id="{E1663F40-C003-48D9-9CAF-4D2F5A4F972D}"/>
+                <a16:creationId xmlns:a16="http://schemas.microsoft.com/office/drawing/2014/main" xmlns="" id="{E1663F40-C003-48D9-9CAF-4D2F5A4F972D}"/>
               </a:ext>
             </a:extLst>
           </p:cNvPr>
@@ -3793,7 +3806,7 @@
           <p:cNvPr id="3" name="Content Placeholder 2">
             <a:extLst>
               <a:ext uri="{FF2B5EF4-FFF2-40B4-BE49-F238E27FC236}">
-                <a16:creationId xmlns:a16="http://schemas.microsoft.com/office/drawing/2014/main" id="{4743A5C4-311A-48EC-87D8-62ED9505BFB7}"/>
+                <a16:creationId xmlns:a16="http://schemas.microsoft.com/office/drawing/2014/main" xmlns="" id="{4743A5C4-311A-48EC-87D8-62ED9505BFB7}"/>
               </a:ext>
             </a:extLst>
           </p:cNvPr>
@@ -3878,7 +3891,7 @@
           <p:cNvPr id="2050" name="Picture 2" descr="Image result for arduino c++">
             <a:extLst>
               <a:ext uri="{FF2B5EF4-FFF2-40B4-BE49-F238E27FC236}">
-                <a16:creationId xmlns:a16="http://schemas.microsoft.com/office/drawing/2014/main" id="{68D57AF9-0ADC-4354-A970-352697956863}"/>
+                <a16:creationId xmlns:a16="http://schemas.microsoft.com/office/drawing/2014/main" xmlns="" id="{68D57AF9-0ADC-4354-A970-352697956863}"/>
               </a:ext>
             </a:extLst>
           </p:cNvPr>
@@ -3955,7 +3968,7 @@
           <p:cNvPr id="2" name="Title 1">
             <a:extLst>
               <a:ext uri="{FF2B5EF4-FFF2-40B4-BE49-F238E27FC236}">
-                <a16:creationId xmlns:a16="http://schemas.microsoft.com/office/drawing/2014/main" id="{E1663F40-C003-48D9-9CAF-4D2F5A4F972D}"/>
+                <a16:creationId xmlns:a16="http://schemas.microsoft.com/office/drawing/2014/main" xmlns="" id="{E1663F40-C003-48D9-9CAF-4D2F5A4F972D}"/>
               </a:ext>
             </a:extLst>
           </p:cNvPr>
@@ -3985,7 +3998,7 @@
           <p:cNvPr id="3" name="Content Placeholder 2">
             <a:extLst>
               <a:ext uri="{FF2B5EF4-FFF2-40B4-BE49-F238E27FC236}">
-                <a16:creationId xmlns:a16="http://schemas.microsoft.com/office/drawing/2014/main" id="{4743A5C4-311A-48EC-87D8-62ED9505BFB7}"/>
+                <a16:creationId xmlns:a16="http://schemas.microsoft.com/office/drawing/2014/main" xmlns="" id="{4743A5C4-311A-48EC-87D8-62ED9505BFB7}"/>
               </a:ext>
             </a:extLst>
           </p:cNvPr>
@@ -4050,7 +4063,7 @@
           <p:cNvPr id="1026" name="Picture 2" descr="Image result for Python">
             <a:extLst>
               <a:ext uri="{FF2B5EF4-FFF2-40B4-BE49-F238E27FC236}">
-                <a16:creationId xmlns:a16="http://schemas.microsoft.com/office/drawing/2014/main" id="{FBB56DB8-7A38-4FFF-92AF-1E2E8623D6FC}"/>
+                <a16:creationId xmlns:a16="http://schemas.microsoft.com/office/drawing/2014/main" xmlns="" id="{FBB56DB8-7A38-4FFF-92AF-1E2E8623D6FC}"/>
               </a:ext>
             </a:extLst>
           </p:cNvPr>
@@ -4097,7 +4110,7 @@
           <p:cNvPr id="1028" name="Picture 4" descr="Image result for Python">
             <a:extLst>
               <a:ext uri="{FF2B5EF4-FFF2-40B4-BE49-F238E27FC236}">
-                <a16:creationId xmlns:a16="http://schemas.microsoft.com/office/drawing/2014/main" id="{F2BC76B1-7CE3-4BDC-9C4D-7A07807945A2}"/>
+                <a16:creationId xmlns:a16="http://schemas.microsoft.com/office/drawing/2014/main" xmlns="" id="{F2BC76B1-7CE3-4BDC-9C4D-7A07807945A2}"/>
               </a:ext>
             </a:extLst>
           </p:cNvPr>
@@ -4107,7 +4120,7 @@
           <p:nvPr/>
         </p:nvPicPr>
         <p:blipFill>
-          <a:blip r:embed="rId3">
+          <a:blip r:embed="rId3" cstate="print">
             <a:extLst>
               <a:ext uri="{28A0092B-C50C-407E-A947-70E740481C1C}">
                 <a14:useLocalDpi xmlns:a14="http://schemas.microsoft.com/office/drawing/2010/main" val="0"/>
@@ -4144,7 +4157,7 @@
           <p:cNvPr id="1030" name="Picture 6" descr="Image result for arduino c++">
             <a:extLst>
               <a:ext uri="{FF2B5EF4-FFF2-40B4-BE49-F238E27FC236}">
-                <a16:creationId xmlns:a16="http://schemas.microsoft.com/office/drawing/2014/main" id="{05683DF6-5951-4ACF-8BAB-E76AF12D9C6A}"/>
+                <a16:creationId xmlns:a16="http://schemas.microsoft.com/office/drawing/2014/main" xmlns="" id="{05683DF6-5951-4ACF-8BAB-E76AF12D9C6A}"/>
               </a:ext>
             </a:extLst>
           </p:cNvPr>
@@ -4221,7 +4234,7 @@
           <p:cNvPr id="2" name="Title 1">
             <a:extLst>
               <a:ext uri="{FF2B5EF4-FFF2-40B4-BE49-F238E27FC236}">
-                <a16:creationId xmlns:a16="http://schemas.microsoft.com/office/drawing/2014/main" id="{E1663F40-C003-48D9-9CAF-4D2F5A4F972D}"/>
+                <a16:creationId xmlns:a16="http://schemas.microsoft.com/office/drawing/2014/main" xmlns="" id="{E1663F40-C003-48D9-9CAF-4D2F5A4F972D}"/>
               </a:ext>
             </a:extLst>
           </p:cNvPr>
@@ -4251,7 +4264,7 @@
           <p:cNvPr id="3" name="Content Placeholder 2">
             <a:extLst>
               <a:ext uri="{FF2B5EF4-FFF2-40B4-BE49-F238E27FC236}">
-                <a16:creationId xmlns:a16="http://schemas.microsoft.com/office/drawing/2014/main" id="{4743A5C4-311A-48EC-87D8-62ED9505BFB7}"/>
+                <a16:creationId xmlns:a16="http://schemas.microsoft.com/office/drawing/2014/main" xmlns="" id="{4743A5C4-311A-48EC-87D8-62ED9505BFB7}"/>
               </a:ext>
             </a:extLst>
           </p:cNvPr>
@@ -4355,7 +4368,7 @@
           <p:cNvPr id="4098" name="Picture 2" descr="Image result for bitcoin logo">
             <a:extLst>
               <a:ext uri="{FF2B5EF4-FFF2-40B4-BE49-F238E27FC236}">
-                <a16:creationId xmlns:a16="http://schemas.microsoft.com/office/drawing/2014/main" id="{EE56ED3E-EFE5-4A3F-82A1-26639FA884A2}"/>
+                <a16:creationId xmlns:a16="http://schemas.microsoft.com/office/drawing/2014/main" xmlns="" id="{EE56ED3E-EFE5-4A3F-82A1-26639FA884A2}"/>
               </a:ext>
             </a:extLst>
           </p:cNvPr>
@@ -4365,7 +4378,7 @@
           <p:nvPr/>
         </p:nvPicPr>
         <p:blipFill>
-          <a:blip r:embed="rId2">
+          <a:blip r:embed="rId2" cstate="print">
             <a:extLst>
               <a:ext uri="{28A0092B-C50C-407E-A947-70E740481C1C}">
                 <a14:useLocalDpi xmlns:a14="http://schemas.microsoft.com/office/drawing/2010/main" val="0"/>
@@ -4402,7 +4415,7 @@
           <p:cNvPr id="4100" name="Picture 4" descr="Image result for computer virus">
             <a:extLst>
               <a:ext uri="{FF2B5EF4-FFF2-40B4-BE49-F238E27FC236}">
-                <a16:creationId xmlns:a16="http://schemas.microsoft.com/office/drawing/2014/main" id="{689A1897-CF98-4FF8-9857-3B3EBA7C01B7}"/>
+                <a16:creationId xmlns:a16="http://schemas.microsoft.com/office/drawing/2014/main" xmlns="" id="{689A1897-CF98-4FF8-9857-3B3EBA7C01B7}"/>
               </a:ext>
             </a:extLst>
           </p:cNvPr>
@@ -4449,7 +4462,7 @@
           <p:cNvPr id="4102" name="Picture 6" descr="Image result for net neutrality">
             <a:extLst>
               <a:ext uri="{FF2B5EF4-FFF2-40B4-BE49-F238E27FC236}">
-                <a16:creationId xmlns:a16="http://schemas.microsoft.com/office/drawing/2014/main" id="{142562B3-8C25-4A64-A61B-A94A488E7237}"/>
+                <a16:creationId xmlns:a16="http://schemas.microsoft.com/office/drawing/2014/main" xmlns="" id="{142562B3-8C25-4A64-A61B-A94A488E7237}"/>
               </a:ext>
             </a:extLst>
           </p:cNvPr>
@@ -4459,7 +4472,7 @@
           <p:nvPr/>
         </p:nvPicPr>
         <p:blipFill>
-          <a:blip r:embed="rId4">
+          <a:blip r:embed="rId4" cstate="print">
             <a:extLst>
               <a:ext uri="{28A0092B-C50C-407E-A947-70E740481C1C}">
                 <a14:useLocalDpi xmlns:a14="http://schemas.microsoft.com/office/drawing/2010/main" val="0"/>
@@ -4526,7 +4539,7 @@
           <p:cNvPr id="2" name="Title 1">
             <a:extLst>
               <a:ext uri="{FF2B5EF4-FFF2-40B4-BE49-F238E27FC236}">
-                <a16:creationId xmlns:a16="http://schemas.microsoft.com/office/drawing/2014/main" id="{E1663F40-C003-48D9-9CAF-4D2F5A4F972D}"/>
+                <a16:creationId xmlns:a16="http://schemas.microsoft.com/office/drawing/2014/main" xmlns="" id="{E1663F40-C003-48D9-9CAF-4D2F5A4F972D}"/>
               </a:ext>
             </a:extLst>
           </p:cNvPr>
@@ -4556,7 +4569,7 @@
           <p:cNvPr id="3" name="Content Placeholder 2">
             <a:extLst>
               <a:ext uri="{FF2B5EF4-FFF2-40B4-BE49-F238E27FC236}">
-                <a16:creationId xmlns:a16="http://schemas.microsoft.com/office/drawing/2014/main" id="{4743A5C4-311A-48EC-87D8-62ED9505BFB7}"/>
+                <a16:creationId xmlns:a16="http://schemas.microsoft.com/office/drawing/2014/main" xmlns="" id="{4743A5C4-311A-48EC-87D8-62ED9505BFB7}"/>
               </a:ext>
             </a:extLst>
           </p:cNvPr>
@@ -4662,7 +4675,7 @@
           <p:cNvPr id="3074" name="Picture 2" descr="Image result for github logo">
             <a:extLst>
               <a:ext uri="{FF2B5EF4-FFF2-40B4-BE49-F238E27FC236}">
-                <a16:creationId xmlns:a16="http://schemas.microsoft.com/office/drawing/2014/main" id="{F1560B70-E2B9-45D4-8692-0B9979A82779}"/>
+                <a16:creationId xmlns:a16="http://schemas.microsoft.com/office/drawing/2014/main" xmlns="" id="{F1560B70-E2B9-45D4-8692-0B9979A82779}"/>
               </a:ext>
             </a:extLst>
           </p:cNvPr>
@@ -4672,7 +4685,7 @@
           <p:nvPr/>
         </p:nvPicPr>
         <p:blipFill>
-          <a:blip r:embed="rId2">
+          <a:blip r:embed="rId2" cstate="print">
             <a:extLst>
               <a:ext uri="{28A0092B-C50C-407E-A947-70E740481C1C}">
                 <a14:useLocalDpi xmlns:a14="http://schemas.microsoft.com/office/drawing/2010/main" val="0"/>
@@ -4709,7 +4722,7 @@
           <p:cNvPr id="3076" name="Picture 4" descr="Image result for github flow">
             <a:extLst>
               <a:ext uri="{FF2B5EF4-FFF2-40B4-BE49-F238E27FC236}">
-                <a16:creationId xmlns:a16="http://schemas.microsoft.com/office/drawing/2014/main" id="{3FBB7CC6-81CD-4DFC-8271-C2A1156DA2DD}"/>
+                <a16:creationId xmlns:a16="http://schemas.microsoft.com/office/drawing/2014/main" xmlns="" id="{3FBB7CC6-81CD-4DFC-8271-C2A1156DA2DD}"/>
               </a:ext>
             </a:extLst>
           </p:cNvPr>
@@ -4719,7 +4732,7 @@
           <p:nvPr/>
         </p:nvPicPr>
         <p:blipFill>
-          <a:blip r:embed="rId3">
+          <a:blip r:embed="rId3" cstate="print">
             <a:extLst>
               <a:ext uri="{28A0092B-C50C-407E-A947-70E740481C1C}">
                 <a14:useLocalDpi xmlns:a14="http://schemas.microsoft.com/office/drawing/2010/main" val="0"/>
@@ -4786,7 +4799,7 @@
           <p:cNvPr id="4" name="Title 3">
             <a:extLst>
               <a:ext uri="{FF2B5EF4-FFF2-40B4-BE49-F238E27FC236}">
-                <a16:creationId xmlns:a16="http://schemas.microsoft.com/office/drawing/2014/main" id="{AF077155-C7AF-4F5E-8728-B3E0AAC6630F}"/>
+                <a16:creationId xmlns:a16="http://schemas.microsoft.com/office/drawing/2014/main" xmlns="" id="{AF077155-C7AF-4F5E-8728-B3E0AAC6630F}"/>
               </a:ext>
             </a:extLst>
           </p:cNvPr>
@@ -4814,7 +4827,7 @@
           <p:cNvPr id="5" name="Text Placeholder 4">
             <a:extLst>
               <a:ext uri="{FF2B5EF4-FFF2-40B4-BE49-F238E27FC236}">
-                <a16:creationId xmlns:a16="http://schemas.microsoft.com/office/drawing/2014/main" id="{EFE55878-3561-40B2-9AF6-0AF4AB0D84EA}"/>
+                <a16:creationId xmlns:a16="http://schemas.microsoft.com/office/drawing/2014/main" xmlns="" id="{EFE55878-3561-40B2-9AF6-0AF4AB0D84EA}"/>
               </a:ext>
             </a:extLst>
           </p:cNvPr>
@@ -4839,7 +4852,7 @@
           <p:cNvPr id="6146" name="Picture 2" descr="Related image">
             <a:extLst>
               <a:ext uri="{FF2B5EF4-FFF2-40B4-BE49-F238E27FC236}">
-                <a16:creationId xmlns:a16="http://schemas.microsoft.com/office/drawing/2014/main" id="{2C76AAB8-539C-4965-815B-8948C1E41E00}"/>
+                <a16:creationId xmlns:a16="http://schemas.microsoft.com/office/drawing/2014/main" xmlns="" id="{2C76AAB8-539C-4965-815B-8948C1E41E00}"/>
               </a:ext>
             </a:extLst>
           </p:cNvPr>
@@ -4916,7 +4929,7 @@
           <p:cNvPr id="4" name="Title 3">
             <a:extLst>
               <a:ext uri="{FF2B5EF4-FFF2-40B4-BE49-F238E27FC236}">
-                <a16:creationId xmlns:a16="http://schemas.microsoft.com/office/drawing/2014/main" id="{27E70324-C7CF-425A-BCF7-AB0598EEE106}"/>
+                <a16:creationId xmlns:a16="http://schemas.microsoft.com/office/drawing/2014/main" xmlns="" id="{27E70324-C7CF-425A-BCF7-AB0598EEE106}"/>
               </a:ext>
             </a:extLst>
           </p:cNvPr>
@@ -4944,7 +4957,7 @@
           <p:cNvPr id="5" name="Content Placeholder 4">
             <a:extLst>
               <a:ext uri="{FF2B5EF4-FFF2-40B4-BE49-F238E27FC236}">
-                <a16:creationId xmlns:a16="http://schemas.microsoft.com/office/drawing/2014/main" id="{994A8F5C-B2C2-486A-A36B-26954EFF43F2}"/>
+                <a16:creationId xmlns:a16="http://schemas.microsoft.com/office/drawing/2014/main" xmlns="" id="{994A8F5C-B2C2-486A-A36B-26954EFF43F2}"/>
               </a:ext>
             </a:extLst>
           </p:cNvPr>
@@ -5064,7 +5077,7 @@
           <p:cNvPr id="8194" name="Picture 2" descr="Related image">
             <a:extLst>
               <a:ext uri="{FF2B5EF4-FFF2-40B4-BE49-F238E27FC236}">
-                <a16:creationId xmlns:a16="http://schemas.microsoft.com/office/drawing/2014/main" id="{76B7FDC1-3A2A-47FD-8C58-43ECD36FC174}"/>
+                <a16:creationId xmlns:a16="http://schemas.microsoft.com/office/drawing/2014/main" xmlns="" id="{76B7FDC1-3A2A-47FD-8C58-43ECD36FC174}"/>
               </a:ext>
             </a:extLst>
           </p:cNvPr>
@@ -5074,7 +5087,7 @@
           <p:nvPr/>
         </p:nvPicPr>
         <p:blipFill>
-          <a:blip r:embed="rId2">
+          <a:blip r:embed="rId2" cstate="print">
             <a:extLst>
               <a:ext uri="{28A0092B-C50C-407E-A947-70E740481C1C}">
                 <a14:useLocalDpi xmlns:a14="http://schemas.microsoft.com/office/drawing/2010/main" val="0"/>
@@ -5141,7 +5154,7 @@
           <p:cNvPr id="2" name="Title 1">
             <a:extLst>
               <a:ext uri="{FF2B5EF4-FFF2-40B4-BE49-F238E27FC236}">
-                <a16:creationId xmlns:a16="http://schemas.microsoft.com/office/drawing/2014/main" id="{97541A54-12B9-46A7-B646-82CFFB72A957}"/>
+                <a16:creationId xmlns:a16="http://schemas.microsoft.com/office/drawing/2014/main" xmlns="" id="{97541A54-12B9-46A7-B646-82CFFB72A957}"/>
               </a:ext>
             </a:extLst>
           </p:cNvPr>
@@ -5169,7 +5182,7 @@
           <p:cNvPr id="3" name="Content Placeholder 2">
             <a:extLst>
               <a:ext uri="{FF2B5EF4-FFF2-40B4-BE49-F238E27FC236}">
-                <a16:creationId xmlns:a16="http://schemas.microsoft.com/office/drawing/2014/main" id="{593C35EE-8ED4-4DEC-B484-FE5FA626622C}"/>
+                <a16:creationId xmlns:a16="http://schemas.microsoft.com/office/drawing/2014/main" xmlns="" id="{593C35EE-8ED4-4DEC-B484-FE5FA626622C}"/>
               </a:ext>
             </a:extLst>
           </p:cNvPr>
@@ -5269,7 +5282,7 @@
           <p:cNvPr id="7170" name="Picture 2" descr="Image result for term work">
             <a:extLst>
               <a:ext uri="{FF2B5EF4-FFF2-40B4-BE49-F238E27FC236}">
-                <a16:creationId xmlns:a16="http://schemas.microsoft.com/office/drawing/2014/main" id="{93EF1557-79DF-4CFE-B939-9BE8CF241BF7}"/>
+                <a16:creationId xmlns:a16="http://schemas.microsoft.com/office/drawing/2014/main" xmlns="" id="{93EF1557-79DF-4CFE-B939-9BE8CF241BF7}"/>
               </a:ext>
             </a:extLst>
           </p:cNvPr>
